--- a/sampleContent/docs/internals/diagram.pptx
+++ b/sampleContent/docs/internals/diagram.pptx
@@ -104,7 +104,41 @@
       </a:defRPr>
     </a:lvl9pPr>
   </p:defaultTextStyle>
+  <p:extLst>
+    <p:ext uri="{EFAFB233-063F-42B5-8137-9DF3F51BA10A}">
+      <p15:sldGuideLst xmlns:p15="http://schemas.microsoft.com/office/powerpoint/2012/main"/>
+    </p:ext>
+  </p:extLst>
 </p:presentation>
+</file>
+
+<file path=ppt/changesInfos/changesInfo1.xml><?xml version="1.0" encoding="utf-8"?>
+<pc:chgInfo xmlns:a="http://schemas.openxmlformats.org/drawingml/2006/main" xmlns:r="http://schemas.openxmlformats.org/officeDocument/2006/relationships" xmlns:ac="http://schemas.microsoft.com/office/drawing/2013/main/command" xmlns:pc="http://schemas.microsoft.com/office/powerpoint/2013/main/command">
+  <pc:docChgLst>
+    <pc:chgData name="Rui Carmo" userId="7080aa0822697cea" providerId="LiveId" clId="{F07CBE3F-B777-F148-B003-3CEF833DCFC6}"/>
+    <pc:docChg chg="modSld">
+      <pc:chgData name="Rui Carmo" userId="7080aa0822697cea" providerId="LiveId" clId="{F07CBE3F-B777-F148-B003-3CEF833DCFC6}" dt="2019-08-11T09:12:37.154" v="0" actId="14100"/>
+      <pc:docMkLst>
+        <pc:docMk/>
+      </pc:docMkLst>
+      <pc:sldChg chg="modSp">
+        <pc:chgData name="Rui Carmo" userId="7080aa0822697cea" providerId="LiveId" clId="{F07CBE3F-B777-F148-B003-3CEF833DCFC6}" dt="2019-08-11T09:12:37.154" v="0" actId="14100"/>
+        <pc:sldMkLst>
+          <pc:docMk/>
+          <pc:sldMk cId="1148659770" sldId="256"/>
+        </pc:sldMkLst>
+        <pc:cxnChg chg="mod">
+          <ac:chgData name="Rui Carmo" userId="7080aa0822697cea" providerId="LiveId" clId="{F07CBE3F-B777-F148-B003-3CEF833DCFC6}" dt="2019-08-11T09:12:37.154" v="0" actId="14100"/>
+          <ac:cxnSpMkLst>
+            <pc:docMk/>
+            <pc:sldMk cId="1148659770" sldId="256"/>
+            <ac:cxnSpMk id="37" creationId="{FE0DD3AA-E707-824D-B985-D28932DF097B}"/>
+          </ac:cxnSpMkLst>
+        </pc:cxnChg>
+      </pc:sldChg>
+    </pc:docChg>
+  </pc:docChgLst>
+</pc:chgInfo>
 </file>
 
 <file path=ppt/slideLayouts/slideLayout1.xml><?xml version="1.0" encoding="utf-8"?>
@@ -256,7 +290,7 @@
           <a:p>
             <a:fld id="{001810BE-FDC5-EF49-9C4A-46A7E3163646}" type="datetimeFigureOut">
               <a:rPr lang="en-US" smtClean="0"/>
-              <a:t>8/10/19</a:t>
+              <a:t>8/11/19</a:t>
             </a:fld>
             <a:endParaRPr lang="en-US"/>
           </a:p>
@@ -456,7 +490,7 @@
           <a:p>
             <a:fld id="{001810BE-FDC5-EF49-9C4A-46A7E3163646}" type="datetimeFigureOut">
               <a:rPr lang="en-US" smtClean="0"/>
-              <a:t>8/10/19</a:t>
+              <a:t>8/11/19</a:t>
             </a:fld>
             <a:endParaRPr lang="en-US"/>
           </a:p>
@@ -666,7 +700,7 @@
           <a:p>
             <a:fld id="{001810BE-FDC5-EF49-9C4A-46A7E3163646}" type="datetimeFigureOut">
               <a:rPr lang="en-US" smtClean="0"/>
-              <a:t>8/10/19</a:t>
+              <a:t>8/11/19</a:t>
             </a:fld>
             <a:endParaRPr lang="en-US"/>
           </a:p>
@@ -866,7 +900,7 @@
           <a:p>
             <a:fld id="{001810BE-FDC5-EF49-9C4A-46A7E3163646}" type="datetimeFigureOut">
               <a:rPr lang="en-US" smtClean="0"/>
-              <a:t>8/10/19</a:t>
+              <a:t>8/11/19</a:t>
             </a:fld>
             <a:endParaRPr lang="en-US"/>
           </a:p>
@@ -1142,7 +1176,7 @@
           <a:p>
             <a:fld id="{001810BE-FDC5-EF49-9C4A-46A7E3163646}" type="datetimeFigureOut">
               <a:rPr lang="en-US" smtClean="0"/>
-              <a:t>8/10/19</a:t>
+              <a:t>8/11/19</a:t>
             </a:fld>
             <a:endParaRPr lang="en-US"/>
           </a:p>
@@ -1410,7 +1444,7 @@
           <a:p>
             <a:fld id="{001810BE-FDC5-EF49-9C4A-46A7E3163646}" type="datetimeFigureOut">
               <a:rPr lang="en-US" smtClean="0"/>
-              <a:t>8/10/19</a:t>
+              <a:t>8/11/19</a:t>
             </a:fld>
             <a:endParaRPr lang="en-US"/>
           </a:p>
@@ -1825,7 +1859,7 @@
           <a:p>
             <a:fld id="{001810BE-FDC5-EF49-9C4A-46A7E3163646}" type="datetimeFigureOut">
               <a:rPr lang="en-US" smtClean="0"/>
-              <a:t>8/10/19</a:t>
+              <a:t>8/11/19</a:t>
             </a:fld>
             <a:endParaRPr lang="en-US"/>
           </a:p>
@@ -1967,7 +2001,7 @@
           <a:p>
             <a:fld id="{001810BE-FDC5-EF49-9C4A-46A7E3163646}" type="datetimeFigureOut">
               <a:rPr lang="en-US" smtClean="0"/>
-              <a:t>8/10/19</a:t>
+              <a:t>8/11/19</a:t>
             </a:fld>
             <a:endParaRPr lang="en-US"/>
           </a:p>
@@ -2080,7 +2114,7 @@
           <a:p>
             <a:fld id="{001810BE-FDC5-EF49-9C4A-46A7E3163646}" type="datetimeFigureOut">
               <a:rPr lang="en-US" smtClean="0"/>
-              <a:t>8/10/19</a:t>
+              <a:t>8/11/19</a:t>
             </a:fld>
             <a:endParaRPr lang="en-US"/>
           </a:p>
@@ -2393,7 +2427,7 @@
           <a:p>
             <a:fld id="{001810BE-FDC5-EF49-9C4A-46A7E3163646}" type="datetimeFigureOut">
               <a:rPr lang="en-US" smtClean="0"/>
-              <a:t>8/10/19</a:t>
+              <a:t>8/11/19</a:t>
             </a:fld>
             <a:endParaRPr lang="en-US"/>
           </a:p>
@@ -2682,7 +2716,7 @@
           <a:p>
             <a:fld id="{001810BE-FDC5-EF49-9C4A-46A7E3163646}" type="datetimeFigureOut">
               <a:rPr lang="en-US" smtClean="0"/>
-              <a:t>8/10/19</a:t>
+              <a:t>8/11/19</a:t>
             </a:fld>
             <a:endParaRPr lang="en-US"/>
           </a:p>
@@ -2925,7 +2959,7 @@
           <a:p>
             <a:fld id="{001810BE-FDC5-EF49-9C4A-46A7E3163646}" type="datetimeFigureOut">
               <a:rPr lang="en-US" smtClean="0"/>
-              <a:t>8/10/19</a:t>
+              <a:t>8/11/19</a:t>
             </a:fld>
             <a:endParaRPr lang="en-US"/>
           </a:p>
@@ -3896,7 +3930,7 @@
           </a:xfrm>
           <a:prstGeom prst="bentConnector3">
             <a:avLst>
-              <a:gd name="adj1" fmla="val 50000"/>
+              <a:gd name="adj1" fmla="val 49086"/>
             </a:avLst>
           </a:prstGeom>
           <a:ln w="38100">
